--- a/Hamburg-Staatsballet/Programm/Erste Schritte_(2023.06.13)/Erste Schritte.pptx
+++ b/Hamburg-Staatsballet/Programm/Erste Schritte_(2023.06.13)/Erste Schritte.pptx
@@ -5,10 +5,12 @@
     <p:sldMasterId id="2147483660" r:id="rId1"/>
   </p:sldMasterIdLst>
   <p:notesMasterIdLst>
-    <p:notesMasterId r:id="rId3"/>
+    <p:notesMasterId r:id="rId5"/>
   </p:notesMasterIdLst>
   <p:sldIdLst>
     <p:sldId id="479" r:id="rId2"/>
+    <p:sldId id="400" r:id="rId3"/>
+    <p:sldId id="448" r:id="rId4"/>
   </p:sldIdLst>
   <p:sldSz cx="9906000" cy="6858000" type="A4"/>
   <p:notesSz cx="6797675" cy="9926638"/>
@@ -110,13 +112,16 @@
   <p:extLst>
     <p:ext uri="{521415D9-36F7-43E2-AB2F-B90AF26B5E84}">
       <p14:sectionLst xmlns:p14="http://schemas.microsoft.com/office/powerpoint/2010/main">
-        <p14:section name="Hamlet 21" id="{CB711A2B-12BA-4DC5-BEF5-17C64A05124E}">
+        <p14:section name="Erste Schritte (2023)" id="{CB711A2B-12BA-4DC5-BEF5-17C64A05124E}">
           <p14:sldIdLst>
             <p14:sldId id="479"/>
           </p14:sldIdLst>
         </p14:section>
-        <p14:section name="Default Section" id="{976A48CC-E0AC-BE4A-952A-83DA184B5BA5}">
-          <p14:sldIdLst/>
+        <p14:section name="Erste Schritte (2022.06.20)" id="{79C9EA6A-817E-427C-8153-E11C4B9C9530}">
+          <p14:sldIdLst>
+            <p14:sldId id="400"/>
+            <p14:sldId id="448"/>
+          </p14:sldIdLst>
         </p14:section>
       </p14:sectionLst>
     </p:ext>
@@ -220,7 +225,7 @@
           <a:p>
             <a:fld id="{1E980196-448A-481A-8A1B-A58FF56D8844}" type="datetimeFigureOut">
               <a:rPr lang="en-US" smtClean="0"/>
-              <a:t>6/11/23</a:t>
+              <a:t>11/10/23</a:t>
             </a:fld>
             <a:endParaRPr lang="en-US"/>
           </a:p>
@@ -619,7 +624,7 @@
           <a:p>
             <a:fld id="{F63CEDD3-0525-4453-AC94-ABA547278219}" type="datetimeFigureOut">
               <a:rPr lang="en-US" smtClean="0"/>
-              <a:t>6/11/23</a:t>
+              <a:t>11/10/23</a:t>
             </a:fld>
             <a:endParaRPr lang="en-US"/>
           </a:p>
@@ -789,7 +794,7 @@
           <a:p>
             <a:fld id="{F63CEDD3-0525-4453-AC94-ABA547278219}" type="datetimeFigureOut">
               <a:rPr lang="en-US" smtClean="0"/>
-              <a:t>6/11/23</a:t>
+              <a:t>11/10/23</a:t>
             </a:fld>
             <a:endParaRPr lang="en-US"/>
           </a:p>
@@ -969,7 +974,7 @@
           <a:p>
             <a:fld id="{F63CEDD3-0525-4453-AC94-ABA547278219}" type="datetimeFigureOut">
               <a:rPr lang="en-US" smtClean="0"/>
-              <a:t>6/11/23</a:t>
+              <a:t>11/10/23</a:t>
             </a:fld>
             <a:endParaRPr lang="en-US"/>
           </a:p>
@@ -1139,7 +1144,7 @@
           <a:p>
             <a:fld id="{F63CEDD3-0525-4453-AC94-ABA547278219}" type="datetimeFigureOut">
               <a:rPr lang="en-US" smtClean="0"/>
-              <a:t>6/11/23</a:t>
+              <a:t>11/10/23</a:t>
             </a:fld>
             <a:endParaRPr lang="en-US"/>
           </a:p>
@@ -1383,7 +1388,7 @@
           <a:p>
             <a:fld id="{F63CEDD3-0525-4453-AC94-ABA547278219}" type="datetimeFigureOut">
               <a:rPr lang="en-US" smtClean="0"/>
-              <a:t>6/11/23</a:t>
+              <a:t>11/10/23</a:t>
             </a:fld>
             <a:endParaRPr lang="en-US"/>
           </a:p>
@@ -1615,7 +1620,7 @@
           <a:p>
             <a:fld id="{F63CEDD3-0525-4453-AC94-ABA547278219}" type="datetimeFigureOut">
               <a:rPr lang="en-US" smtClean="0"/>
-              <a:t>6/11/23</a:t>
+              <a:t>11/10/23</a:t>
             </a:fld>
             <a:endParaRPr lang="en-US"/>
           </a:p>
@@ -1982,7 +1987,7 @@
           <a:p>
             <a:fld id="{F63CEDD3-0525-4453-AC94-ABA547278219}" type="datetimeFigureOut">
               <a:rPr lang="en-US" smtClean="0"/>
-              <a:t>6/11/23</a:t>
+              <a:t>11/10/23</a:t>
             </a:fld>
             <a:endParaRPr lang="en-US"/>
           </a:p>
@@ -2100,7 +2105,7 @@
           <a:p>
             <a:fld id="{F63CEDD3-0525-4453-AC94-ABA547278219}" type="datetimeFigureOut">
               <a:rPr lang="en-US" smtClean="0"/>
-              <a:t>6/11/23</a:t>
+              <a:t>11/10/23</a:t>
             </a:fld>
             <a:endParaRPr lang="en-US"/>
           </a:p>
@@ -2195,7 +2200,7 @@
           <a:p>
             <a:fld id="{F63CEDD3-0525-4453-AC94-ABA547278219}" type="datetimeFigureOut">
               <a:rPr lang="en-US" smtClean="0"/>
-              <a:t>6/11/23</a:t>
+              <a:t>11/10/23</a:t>
             </a:fld>
             <a:endParaRPr lang="en-US"/>
           </a:p>
@@ -2472,7 +2477,7 @@
           <a:p>
             <a:fld id="{F63CEDD3-0525-4453-AC94-ABA547278219}" type="datetimeFigureOut">
               <a:rPr lang="en-US" smtClean="0"/>
-              <a:t>6/11/23</a:t>
+              <a:t>11/10/23</a:t>
             </a:fld>
             <a:endParaRPr lang="en-US"/>
           </a:p>
@@ -2729,7 +2734,7 @@
           <a:p>
             <a:fld id="{F63CEDD3-0525-4453-AC94-ABA547278219}" type="datetimeFigureOut">
               <a:rPr lang="en-US" smtClean="0"/>
-              <a:t>6/11/23</a:t>
+              <a:t>11/10/23</a:t>
             </a:fld>
             <a:endParaRPr lang="en-US"/>
           </a:p>
@@ -2942,7 +2947,7 @@
           <a:p>
             <a:fld id="{F63CEDD3-0525-4453-AC94-ABA547278219}" type="datetimeFigureOut">
               <a:rPr lang="en-US" smtClean="0"/>
-              <a:t>6/11/23</a:t>
+              <a:t>11/10/23</a:t>
             </a:fld>
             <a:endParaRPr lang="en-US"/>
           </a:p>
@@ -3608,6 +3613,161 @@
     <p:extLst>
       <p:ext uri="{BB962C8B-B14F-4D97-AF65-F5344CB8AC3E}">
         <p14:creationId xmlns:p14="http://schemas.microsoft.com/office/powerpoint/2010/main" val="681190219"/>
+      </p:ext>
+    </p:extLst>
+  </p:cSld>
+  <p:clrMapOvr>
+    <a:masterClrMapping/>
+  </p:clrMapOvr>
+</p:sld>
+</file>
+
+<file path=ppt/slides/slide2.xml><?xml version="1.0" encoding="utf-8"?>
+<p:sld xmlns:a="http://schemas.openxmlformats.org/drawingml/2006/main" xmlns:r="http://schemas.openxmlformats.org/officeDocument/2006/relationships" xmlns:p="http://schemas.openxmlformats.org/presentationml/2006/main">
+  <p:cSld>
+    <p:spTree>
+      <p:nvGrpSpPr>
+        <p:cNvPr id="1" name=""/>
+        <p:cNvGrpSpPr/>
+        <p:nvPr/>
+      </p:nvGrpSpPr>
+      <p:grpSpPr>
+        <a:xfrm>
+          <a:off x="0" y="0"/>
+          <a:ext cx="0" cy="0"/>
+          <a:chOff x="0" y="0"/>
+          <a:chExt cx="0" cy="0"/>
+        </a:xfrm>
+      </p:grpSpPr>
+      <p:pic>
+        <p:nvPicPr>
+          <p:cNvPr id="3" name="Grafik 2">
+            <a:extLst>
+              <a:ext uri="{FF2B5EF4-FFF2-40B4-BE49-F238E27FC236}">
+                <a16:creationId xmlns:a16="http://schemas.microsoft.com/office/drawing/2014/main" id="{638C4001-F024-B0A3-E71A-399442699ACF}"/>
+              </a:ext>
+            </a:extLst>
+          </p:cNvPr>
+          <p:cNvPicPr>
+            <a:picLocks noChangeAspect="1"/>
+          </p:cNvPicPr>
+          <p:nvPr/>
+        </p:nvPicPr>
+        <p:blipFill>
+          <a:blip r:embed="rId2"/>
+          <a:stretch>
+            <a:fillRect/>
+          </a:stretch>
+        </p:blipFill>
+        <p:spPr>
+          <a:xfrm>
+            <a:off x="528935" y="643466"/>
+            <a:ext cx="4289719" cy="5571066"/>
+          </a:xfrm>
+          <a:prstGeom prst="rect">
+            <a:avLst/>
+          </a:prstGeom>
+        </p:spPr>
+      </p:pic>
+      <p:pic>
+        <p:nvPicPr>
+          <p:cNvPr id="5" name="Grafik 4">
+            <a:extLst>
+              <a:ext uri="{FF2B5EF4-FFF2-40B4-BE49-F238E27FC236}">
+                <a16:creationId xmlns:a16="http://schemas.microsoft.com/office/drawing/2014/main" id="{D1F3A13A-2A2C-BC6F-764B-93CFAFCFAB8E}"/>
+              </a:ext>
+            </a:extLst>
+          </p:cNvPr>
+          <p:cNvPicPr>
+            <a:picLocks noChangeAspect="1"/>
+          </p:cNvPicPr>
+          <p:nvPr/>
+        </p:nvPicPr>
+        <p:blipFill>
+          <a:blip r:embed="rId3"/>
+          <a:stretch>
+            <a:fillRect/>
+          </a:stretch>
+        </p:blipFill>
+        <p:spPr>
+          <a:xfrm>
+            <a:off x="5150018" y="643467"/>
+            <a:ext cx="4164372" cy="5571066"/>
+          </a:xfrm>
+          <a:prstGeom prst="rect">
+            <a:avLst/>
+          </a:prstGeom>
+        </p:spPr>
+      </p:pic>
+    </p:spTree>
+    <p:extLst>
+      <p:ext uri="{BB962C8B-B14F-4D97-AF65-F5344CB8AC3E}">
+        <p14:creationId xmlns:p14="http://schemas.microsoft.com/office/powerpoint/2010/main" val="3327773406"/>
+      </p:ext>
+    </p:extLst>
+  </p:cSld>
+  <p:clrMapOvr>
+    <a:masterClrMapping/>
+  </p:clrMapOvr>
+</p:sld>
+</file>
+
+<file path=ppt/slides/slide3.xml><?xml version="1.0" encoding="utf-8"?>
+<p:sld xmlns:a="http://schemas.openxmlformats.org/drawingml/2006/main" xmlns:r="http://schemas.openxmlformats.org/officeDocument/2006/relationships" xmlns:p="http://schemas.openxmlformats.org/presentationml/2006/main">
+  <p:cSld>
+    <p:spTree>
+      <p:nvGrpSpPr>
+        <p:cNvPr id="1" name=""/>
+        <p:cNvGrpSpPr/>
+        <p:nvPr/>
+      </p:nvGrpSpPr>
+      <p:grpSpPr>
+        <a:xfrm>
+          <a:off x="0" y="0"/>
+          <a:ext cx="0" cy="0"/>
+          <a:chOff x="0" y="0"/>
+          <a:chExt cx="0" cy="0"/>
+        </a:xfrm>
+      </p:grpSpPr>
+      <p:pic>
+        <p:nvPicPr>
+          <p:cNvPr id="3" name="Grafik 2" descr="Ein Bild, das Text, Person, Blasorchester, Menge enthält.&#10;&#10;Automatisch generierte Beschreibung">
+            <a:extLst>
+              <a:ext uri="{FF2B5EF4-FFF2-40B4-BE49-F238E27FC236}">
+                <a16:creationId xmlns:a16="http://schemas.microsoft.com/office/drawing/2014/main" id="{8B3CD944-7560-BCFD-54FC-D5A82A3AB9C3}"/>
+              </a:ext>
+            </a:extLst>
+          </p:cNvPr>
+          <p:cNvPicPr>
+            <a:picLocks noChangeAspect="1"/>
+          </p:cNvPicPr>
+          <p:nvPr/>
+        </p:nvPicPr>
+        <p:blipFill rotWithShape="1">
+          <a:blip r:embed="rId2">
+            <a:extLst>
+              <a:ext uri="{28A0092B-C50C-407E-A947-70E740481C1C}">
+                <a14:useLocalDpi xmlns:a14="http://schemas.microsoft.com/office/drawing/2010/main" val="0"/>
+              </a:ext>
+            </a:extLst>
+          </a:blip>
+          <a:srcRect r="3926" b="-1"/>
+          <a:stretch/>
+        </p:blipFill>
+        <p:spPr>
+          <a:xfrm>
+            <a:off x="20" y="1282"/>
+            <a:ext cx="9905980" cy="6856718"/>
+          </a:xfrm>
+          <a:prstGeom prst="rect">
+            <a:avLst/>
+          </a:prstGeom>
+        </p:spPr>
+      </p:pic>
+    </p:spTree>
+    <p:extLst>
+      <p:ext uri="{BB962C8B-B14F-4D97-AF65-F5344CB8AC3E}">
+        <p14:creationId xmlns:p14="http://schemas.microsoft.com/office/powerpoint/2010/main" val="2590044932"/>
       </p:ext>
     </p:extLst>
   </p:cSld>
